--- a/tools/figure_editor.pptx
+++ b/tools/figure_editor.pptx
@@ -264,7 +264,7 @@
           <a:p>
             <a:fld id="{1F442BA1-71E6-4855-9C1E-69CA5416EB6A}" type="datetimeFigureOut">
               <a:rPr lang="en-US" smtClean="0"/>
-              <a:t>1/21/2024</a:t>
+              <a:t>1/22/2024</a:t>
             </a:fld>
             <a:endParaRPr lang="en-US"/>
           </a:p>
@@ -434,7 +434,7 @@
           <a:p>
             <a:fld id="{1F442BA1-71E6-4855-9C1E-69CA5416EB6A}" type="datetimeFigureOut">
               <a:rPr lang="en-US" smtClean="0"/>
-              <a:t>1/21/2024</a:t>
+              <a:t>1/22/2024</a:t>
             </a:fld>
             <a:endParaRPr lang="en-US"/>
           </a:p>
@@ -614,7 +614,7 @@
           <a:p>
             <a:fld id="{1F442BA1-71E6-4855-9C1E-69CA5416EB6A}" type="datetimeFigureOut">
               <a:rPr lang="en-US" smtClean="0"/>
-              <a:t>1/21/2024</a:t>
+              <a:t>1/22/2024</a:t>
             </a:fld>
             <a:endParaRPr lang="en-US"/>
           </a:p>
@@ -784,7 +784,7 @@
           <a:p>
             <a:fld id="{1F442BA1-71E6-4855-9C1E-69CA5416EB6A}" type="datetimeFigureOut">
               <a:rPr lang="en-US" smtClean="0"/>
-              <a:t>1/21/2024</a:t>
+              <a:t>1/22/2024</a:t>
             </a:fld>
             <a:endParaRPr lang="en-US"/>
           </a:p>
@@ -1030,7 +1030,7 @@
           <a:p>
             <a:fld id="{1F442BA1-71E6-4855-9C1E-69CA5416EB6A}" type="datetimeFigureOut">
               <a:rPr lang="en-US" smtClean="0"/>
-              <a:t>1/21/2024</a:t>
+              <a:t>1/22/2024</a:t>
             </a:fld>
             <a:endParaRPr lang="en-US"/>
           </a:p>
@@ -1262,7 +1262,7 @@
           <a:p>
             <a:fld id="{1F442BA1-71E6-4855-9C1E-69CA5416EB6A}" type="datetimeFigureOut">
               <a:rPr lang="en-US" smtClean="0"/>
-              <a:t>1/21/2024</a:t>
+              <a:t>1/22/2024</a:t>
             </a:fld>
             <a:endParaRPr lang="en-US"/>
           </a:p>
@@ -1629,7 +1629,7 @@
           <a:p>
             <a:fld id="{1F442BA1-71E6-4855-9C1E-69CA5416EB6A}" type="datetimeFigureOut">
               <a:rPr lang="en-US" smtClean="0"/>
-              <a:t>1/21/2024</a:t>
+              <a:t>1/22/2024</a:t>
             </a:fld>
             <a:endParaRPr lang="en-US"/>
           </a:p>
@@ -1747,7 +1747,7 @@
           <a:p>
             <a:fld id="{1F442BA1-71E6-4855-9C1E-69CA5416EB6A}" type="datetimeFigureOut">
               <a:rPr lang="en-US" smtClean="0"/>
-              <a:t>1/21/2024</a:t>
+              <a:t>1/22/2024</a:t>
             </a:fld>
             <a:endParaRPr lang="en-US"/>
           </a:p>
@@ -1842,7 +1842,7 @@
           <a:p>
             <a:fld id="{1F442BA1-71E6-4855-9C1E-69CA5416EB6A}" type="datetimeFigureOut">
               <a:rPr lang="en-US" smtClean="0"/>
-              <a:t>1/21/2024</a:t>
+              <a:t>1/22/2024</a:t>
             </a:fld>
             <a:endParaRPr lang="en-US"/>
           </a:p>
@@ -2119,7 +2119,7 @@
           <a:p>
             <a:fld id="{1F442BA1-71E6-4855-9C1E-69CA5416EB6A}" type="datetimeFigureOut">
               <a:rPr lang="en-US" smtClean="0"/>
-              <a:t>1/21/2024</a:t>
+              <a:t>1/22/2024</a:t>
             </a:fld>
             <a:endParaRPr lang="en-US"/>
           </a:p>
@@ -2372,7 +2372,7 @@
           <a:p>
             <a:fld id="{1F442BA1-71E6-4855-9C1E-69CA5416EB6A}" type="datetimeFigureOut">
               <a:rPr lang="en-US" smtClean="0"/>
-              <a:t>1/21/2024</a:t>
+              <a:t>1/22/2024</a:t>
             </a:fld>
             <a:endParaRPr lang="en-US"/>
           </a:p>
@@ -2585,7 +2585,7 @@
           <a:p>
             <a:fld id="{1F442BA1-71E6-4855-9C1E-69CA5416EB6A}" type="datetimeFigureOut">
               <a:rPr lang="en-US" smtClean="0"/>
-              <a:t>1/21/2024</a:t>
+              <a:t>1/22/2024</a:t>
             </a:fld>
             <a:endParaRPr lang="en-US"/>
           </a:p>
@@ -6874,6 +6874,190 @@
           <a:chExt cx="0" cy="0"/>
         </a:xfrm>
       </p:grpSpPr>
+      <p:pic>
+        <p:nvPicPr>
+          <p:cNvPr id="3" name="Picture 2"/>
+          <p:cNvPicPr>
+            <a:picLocks noChangeAspect="1"/>
+          </p:cNvPicPr>
+          <p:nvPr/>
+        </p:nvPicPr>
+        <p:blipFill rotWithShape="1">
+          <a:blip r:embed="rId2"/>
+          <a:srcRect l="1772" t="4303"/>
+          <a:stretch/>
+        </p:blipFill>
+        <p:spPr>
+          <a:xfrm>
+            <a:off x="6509856" y="2223082"/>
+            <a:ext cx="2789855" cy="2526197"/>
+          </a:xfrm>
+          <a:prstGeom prst="rect">
+            <a:avLst/>
+          </a:prstGeom>
+        </p:spPr>
+      </p:pic>
+      <p:pic>
+        <p:nvPicPr>
+          <p:cNvPr id="6" name="Picture 5"/>
+          <p:cNvPicPr>
+            <a:picLocks noChangeAspect="1"/>
+          </p:cNvPicPr>
+          <p:nvPr/>
+        </p:nvPicPr>
+        <p:blipFill rotWithShape="1">
+          <a:blip r:embed="rId3"/>
+          <a:srcRect t="4975" r="3510"/>
+          <a:stretch/>
+        </p:blipFill>
+        <p:spPr>
+          <a:xfrm>
+            <a:off x="1628901" y="1954635"/>
+            <a:ext cx="4880955" cy="3005401"/>
+          </a:xfrm>
+          <a:prstGeom prst="rect">
+            <a:avLst/>
+          </a:prstGeom>
+        </p:spPr>
+      </p:pic>
+      <p:sp>
+        <p:nvSpPr>
+          <p:cNvPr id="7" name="Rectangle 6"/>
+          <p:cNvSpPr/>
+          <p:nvPr/>
+        </p:nvSpPr>
+        <p:spPr>
+          <a:xfrm>
+            <a:off x="2540728" y="4555222"/>
+            <a:ext cx="814868" cy="262201"/>
+          </a:xfrm>
+          <a:prstGeom prst="rect">
+            <a:avLst/>
+          </a:prstGeom>
+          <a:noFill/>
+          <a:ln w="25400">
+            <a:solidFill>
+              <a:srgbClr val="FF0000"/>
+            </a:solidFill>
+          </a:ln>
+        </p:spPr>
+        <p:style>
+          <a:lnRef idx="2">
+            <a:schemeClr val="accent1">
+              <a:shade val="50000"/>
+            </a:schemeClr>
+          </a:lnRef>
+          <a:fillRef idx="1">
+            <a:schemeClr val="accent1"/>
+          </a:fillRef>
+          <a:effectRef idx="0">
+            <a:schemeClr val="accent1"/>
+          </a:effectRef>
+          <a:fontRef idx="minor">
+            <a:schemeClr val="lt1"/>
+          </a:fontRef>
+        </p:style>
+        <p:txBody>
+          <a:bodyPr rtlCol="0" anchor="ctr"/>
+          <a:lstStyle/>
+          <a:p>
+            <a:pPr algn="ctr"/>
+            <a:endParaRPr lang="en-US"/>
+          </a:p>
+        </p:txBody>
+      </p:sp>
+      <p:sp>
+        <p:nvSpPr>
+          <p:cNvPr id="8" name="Rectangle 7"/>
+          <p:cNvSpPr/>
+          <p:nvPr/>
+        </p:nvSpPr>
+        <p:spPr>
+          <a:xfrm>
+            <a:off x="2121540" y="4337108"/>
+            <a:ext cx="419188" cy="142613"/>
+          </a:xfrm>
+          <a:prstGeom prst="rect">
+            <a:avLst/>
+          </a:prstGeom>
+          <a:noFill/>
+          <a:ln w="25400">
+            <a:solidFill>
+              <a:srgbClr val="FF0000"/>
+            </a:solidFill>
+          </a:ln>
+        </p:spPr>
+        <p:style>
+          <a:lnRef idx="2">
+            <a:schemeClr val="accent1">
+              <a:shade val="50000"/>
+            </a:schemeClr>
+          </a:lnRef>
+          <a:fillRef idx="1">
+            <a:schemeClr val="accent1"/>
+          </a:fillRef>
+          <a:effectRef idx="0">
+            <a:schemeClr val="accent1"/>
+          </a:effectRef>
+          <a:fontRef idx="minor">
+            <a:schemeClr val="lt1"/>
+          </a:fontRef>
+        </p:style>
+        <p:txBody>
+          <a:bodyPr rtlCol="0" anchor="ctr"/>
+          <a:lstStyle/>
+          <a:p>
+            <a:pPr algn="ctr"/>
+            <a:endParaRPr lang="en-US"/>
+          </a:p>
+        </p:txBody>
+      </p:sp>
+      <p:sp>
+        <p:nvSpPr>
+          <p:cNvPr id="9" name="Rectangle 8"/>
+          <p:cNvSpPr/>
+          <p:nvPr/>
+        </p:nvSpPr>
+        <p:spPr>
+          <a:xfrm>
+            <a:off x="8389253" y="2341926"/>
+            <a:ext cx="910458" cy="1147894"/>
+          </a:xfrm>
+          <a:prstGeom prst="rect">
+            <a:avLst/>
+          </a:prstGeom>
+          <a:noFill/>
+          <a:ln w="25400">
+            <a:solidFill>
+              <a:srgbClr val="FF0000"/>
+            </a:solidFill>
+          </a:ln>
+        </p:spPr>
+        <p:style>
+          <a:lnRef idx="2">
+            <a:schemeClr val="accent1">
+              <a:shade val="50000"/>
+            </a:schemeClr>
+          </a:lnRef>
+          <a:fillRef idx="1">
+            <a:schemeClr val="accent1"/>
+          </a:fillRef>
+          <a:effectRef idx="0">
+            <a:schemeClr val="accent1"/>
+          </a:effectRef>
+          <a:fontRef idx="minor">
+            <a:schemeClr val="lt1"/>
+          </a:fontRef>
+        </p:style>
+        <p:txBody>
+          <a:bodyPr rtlCol="0" anchor="ctr"/>
+          <a:lstStyle/>
+          <a:p>
+            <a:pPr algn="ctr"/>
+            <a:endParaRPr lang="en-US"/>
+          </a:p>
+        </p:txBody>
+      </p:sp>
     </p:spTree>
     <p:extLst>
       <p:ext uri="{BB962C8B-B14F-4D97-AF65-F5344CB8AC3E}">
